--- a/Theoretical/Smart Battery Monitor.pptx
+++ b/Theoretical/Smart Battery Monitor.pptx
@@ -853,7 +853,7 @@
           <a:p>
             <a:fld id="{0D294187-4905-487C-A463-D12AFC71BF3C}" type="datetimeFigureOut">
               <a:rPr lang="en-US" smtClean="0"/>
-              <a:t>7/20/2021</a:t>
+              <a:t>7/21/2021</a:t>
             </a:fld>
             <a:endParaRPr lang="en-US"/>
           </a:p>
@@ -1104,7 +1104,7 @@
           <a:p>
             <a:fld id="{0D294187-4905-487C-A463-D12AFC71BF3C}" type="datetimeFigureOut">
               <a:rPr lang="en-US" smtClean="0"/>
-              <a:t>7/20/2021</a:t>
+              <a:t>7/21/2021</a:t>
             </a:fld>
             <a:endParaRPr lang="en-US"/>
           </a:p>
@@ -1418,7 +1418,7 @@
           <a:p>
             <a:fld id="{0D294187-4905-487C-A463-D12AFC71BF3C}" type="datetimeFigureOut">
               <a:rPr lang="en-US" smtClean="0"/>
-              <a:t>7/20/2021</a:t>
+              <a:t>7/21/2021</a:t>
             </a:fld>
             <a:endParaRPr lang="en-US"/>
           </a:p>
@@ -1759,7 +1759,7 @@
           <a:p>
             <a:fld id="{0D294187-4905-487C-A463-D12AFC71BF3C}" type="datetimeFigureOut">
               <a:rPr lang="en-US" smtClean="0"/>
-              <a:t>7/20/2021</a:t>
+              <a:t>7/21/2021</a:t>
             </a:fld>
             <a:endParaRPr lang="en-US"/>
           </a:p>
@@ -2073,7 +2073,7 @@
           <a:p>
             <a:fld id="{0D294187-4905-487C-A463-D12AFC71BF3C}" type="datetimeFigureOut">
               <a:rPr lang="en-US" smtClean="0"/>
-              <a:t>7/20/2021</a:t>
+              <a:t>7/21/2021</a:t>
             </a:fld>
             <a:endParaRPr lang="en-US"/>
           </a:p>
@@ -2466,7 +2466,7 @@
           <a:p>
             <a:fld id="{0D294187-4905-487C-A463-D12AFC71BF3C}" type="datetimeFigureOut">
               <a:rPr lang="en-US" smtClean="0"/>
-              <a:t>7/20/2021</a:t>
+              <a:t>7/21/2021</a:t>
             </a:fld>
             <a:endParaRPr lang="en-US"/>
           </a:p>
@@ -2636,7 +2636,7 @@
           <a:p>
             <a:fld id="{0D294187-4905-487C-A463-D12AFC71BF3C}" type="datetimeFigureOut">
               <a:rPr lang="en-US" smtClean="0"/>
-              <a:t>7/20/2021</a:t>
+              <a:t>7/21/2021</a:t>
             </a:fld>
             <a:endParaRPr lang="en-US"/>
           </a:p>
@@ -2816,7 +2816,7 @@
           <a:p>
             <a:fld id="{0D294187-4905-487C-A463-D12AFC71BF3C}" type="datetimeFigureOut">
               <a:rPr lang="en-US" smtClean="0"/>
-              <a:t>7/20/2021</a:t>
+              <a:t>7/21/2021</a:t>
             </a:fld>
             <a:endParaRPr lang="en-US"/>
           </a:p>
@@ -2992,7 +2992,7 @@
           <a:p>
             <a:fld id="{0D294187-4905-487C-A463-D12AFC71BF3C}" type="datetimeFigureOut">
               <a:rPr lang="en-US" smtClean="0"/>
-              <a:t>7/20/2021</a:t>
+              <a:t>7/21/2021</a:t>
             </a:fld>
             <a:endParaRPr lang="en-US"/>
           </a:p>
@@ -3239,7 +3239,7 @@
           <a:p>
             <a:fld id="{0D294187-4905-487C-A463-D12AFC71BF3C}" type="datetimeFigureOut">
               <a:rPr lang="en-US" smtClean="0"/>
-              <a:t>7/20/2021</a:t>
+              <a:t>7/21/2021</a:t>
             </a:fld>
             <a:endParaRPr lang="en-US"/>
           </a:p>
@@ -3471,7 +3471,7 @@
           <a:p>
             <a:fld id="{0D294187-4905-487C-A463-D12AFC71BF3C}" type="datetimeFigureOut">
               <a:rPr lang="en-US" smtClean="0"/>
-              <a:t>7/20/2021</a:t>
+              <a:t>7/21/2021</a:t>
             </a:fld>
             <a:endParaRPr lang="en-US"/>
           </a:p>
@@ -3845,7 +3845,7 @@
           <a:p>
             <a:fld id="{0D294187-4905-487C-A463-D12AFC71BF3C}" type="datetimeFigureOut">
               <a:rPr lang="en-US" smtClean="0"/>
-              <a:t>7/20/2021</a:t>
+              <a:t>7/21/2021</a:t>
             </a:fld>
             <a:endParaRPr lang="en-US"/>
           </a:p>
@@ -3968,7 +3968,7 @@
           <a:p>
             <a:fld id="{0D294187-4905-487C-A463-D12AFC71BF3C}" type="datetimeFigureOut">
               <a:rPr lang="en-US" smtClean="0"/>
-              <a:t>7/20/2021</a:t>
+              <a:t>7/21/2021</a:t>
             </a:fld>
             <a:endParaRPr lang="en-US"/>
           </a:p>
@@ -4063,7 +4063,7 @@
           <a:p>
             <a:fld id="{0D294187-4905-487C-A463-D12AFC71BF3C}" type="datetimeFigureOut">
               <a:rPr lang="en-US" smtClean="0"/>
-              <a:t>7/20/2021</a:t>
+              <a:t>7/21/2021</a:t>
             </a:fld>
             <a:endParaRPr lang="en-US"/>
           </a:p>
@@ -4318,7 +4318,7 @@
           <a:p>
             <a:fld id="{0D294187-4905-487C-A463-D12AFC71BF3C}" type="datetimeFigureOut">
               <a:rPr lang="en-US" smtClean="0"/>
-              <a:t>7/20/2021</a:t>
+              <a:t>7/21/2021</a:t>
             </a:fld>
             <a:endParaRPr lang="en-US"/>
           </a:p>
@@ -4581,7 +4581,7 @@
           <a:p>
             <a:fld id="{0D294187-4905-487C-A463-D12AFC71BF3C}" type="datetimeFigureOut">
               <a:rPr lang="en-US" smtClean="0"/>
-              <a:t>7/20/2021</a:t>
+              <a:t>7/21/2021</a:t>
             </a:fld>
             <a:endParaRPr lang="en-US"/>
           </a:p>
@@ -5324,7 +5324,7 @@
           <a:p>
             <a:fld id="{0D294187-4905-487C-A463-D12AFC71BF3C}" type="datetimeFigureOut">
               <a:rPr lang="en-US" smtClean="0"/>
-              <a:t>7/20/2021</a:t>
+              <a:t>7/21/2021</a:t>
             </a:fld>
             <a:endParaRPr lang="en-US"/>
           </a:p>
@@ -6031,40 +6031,13 @@
               </a:spcAft>
             </a:pPr>
             <a:r>
-              <a:rPr lang="en-US" sz="1800" b="1" dirty="0" err="1">
-                <a:effectLst/>
-                <a:latin typeface="Arial" panose="020B0604020202020204" pitchFamily="34" charset="0"/>
-                <a:ea typeface="Times New Roman" panose="02020603050405020304" pitchFamily="18" charset="0"/>
-                <a:cs typeface="Arial" panose="020B0604020202020204" pitchFamily="34" charset="0"/>
-              </a:rPr>
-              <a:t>Sherif</a:t>
-            </a:r>
-            <a:r>
               <a:rPr lang="en-US" sz="1800" b="1" dirty="0">
                 <a:effectLst/>
                 <a:latin typeface="Arial" panose="020B0604020202020204" pitchFamily="34" charset="0"/>
                 <a:ea typeface="Times New Roman" panose="02020603050405020304" pitchFamily="18" charset="0"/>
                 <a:cs typeface="Arial" panose="020B0604020202020204" pitchFamily="34" charset="0"/>
               </a:rPr>
-              <a:t> Mostafa </a:t>
-            </a:r>
-            <a:r>
-              <a:rPr lang="en-US" sz="1800" b="1" dirty="0" err="1">
-                <a:effectLst/>
-                <a:latin typeface="Arial" panose="020B0604020202020204" pitchFamily="34" charset="0"/>
-                <a:ea typeface="Times New Roman" panose="02020603050405020304" pitchFamily="18" charset="0"/>
-                <a:cs typeface="Arial" panose="020B0604020202020204" pitchFamily="34" charset="0"/>
-              </a:rPr>
-              <a:t>Samy</a:t>
-            </a:r>
-            <a:r>
-              <a:rPr lang="en-US" sz="1800" b="1" dirty="0">
-                <a:effectLst/>
-                <a:latin typeface="Arial" panose="020B0604020202020204" pitchFamily="34" charset="0"/>
-                <a:ea typeface="Times New Roman" panose="02020603050405020304" pitchFamily="18" charset="0"/>
-                <a:cs typeface="Arial" panose="020B0604020202020204" pitchFamily="34" charset="0"/>
-              </a:rPr>
-              <a:t> Ahmed</a:t>
+              <a:t>Sherif Mostafa Samy Ahmed</a:t>
             </a:r>
             <a:endParaRPr lang="en-US" sz="1800" dirty="0">
               <a:effectLst/>
@@ -6706,7 +6679,7 @@
         </p:blipFill>
         <p:spPr>
           <a:xfrm rot="16200000">
-            <a:off x="5235166" y="560851"/>
+            <a:off x="4606471" y="619313"/>
             <a:ext cx="1257005" cy="3165102"/>
           </a:xfrm>
           <a:prstGeom prst="rect">
@@ -7168,7 +7141,7 @@
                 <a:ea typeface="+mj-ea"/>
                 <a:cs typeface="+mj-cs"/>
               </a:rPr>
-              <a:t> is expensive it lead </a:t>
+              <a:t> is expensive it led </a:t>
             </a:r>
           </a:p>
           <a:p>
@@ -7210,7 +7183,7 @@
             </a:pPr>
             <a:r>
               <a:rPr lang="en-US" sz="1800" dirty="0"/>
-              <a:t>After a lot of research we find that </a:t>
+              <a:t>After a lot of research, we find that </a:t>
             </a:r>
           </a:p>
           <a:p>
@@ -7249,6 +7222,13 @@
         </p:nvPicPr>
         <p:blipFill>
           <a:blip r:embed="rId2">
+            <a:duotone>
+              <a:prstClr val="black"/>
+              <a:schemeClr val="accent4">
+                <a:tint val="45000"/>
+                <a:satMod val="400000"/>
+              </a:schemeClr>
+            </a:duotone>
             <a:extLst>
               <a:ext uri="{28A0092B-C50C-407E-A947-70E740481C1C}">
                 <a14:useLocalDpi xmlns:a14="http://schemas.microsoft.com/office/drawing/2010/main" val="0"/>
@@ -7261,8 +7241,8 @@
         </p:blipFill>
         <p:spPr>
           <a:xfrm>
-            <a:off x="4957221" y="748352"/>
-            <a:ext cx="3307367" cy="5532599"/>
+            <a:off x="5153432" y="748352"/>
+            <a:ext cx="3316603" cy="5532599"/>
           </a:xfrm>
           <a:prstGeom prst="rect">
             <a:avLst/>
@@ -7286,6 +7266,15 @@
         <p:blipFill>
           <a:blip r:embed="rId3">
             <a:extLst>
+              <a:ext uri="{BEBA8EAE-BF5A-486C-A8C5-ECC9F3942E4B}">
+                <a14:imgProps xmlns:a14="http://schemas.microsoft.com/office/drawing/2010/main">
+                  <a14:imgLayer r:embed="rId4">
+                    <a14:imgEffect>
+                      <a14:colorTemperature colorTemp="11200"/>
+                    </a14:imgEffect>
+                  </a14:imgLayer>
+                </a14:imgProps>
+              </a:ext>
               <a:ext uri="{28A0092B-C50C-407E-A947-70E740481C1C}">
                 <a14:useLocalDpi xmlns:a14="http://schemas.microsoft.com/office/drawing/2010/main" val="0"/>
               </a:ext>
@@ -7384,7 +7373,12 @@
             <p:ph idx="1"/>
           </p:nvPr>
         </p:nvSpPr>
-        <p:spPr/>
+        <p:spPr>
+          <a:xfrm>
+            <a:off x="677334" y="2160590"/>
+            <a:ext cx="8596668" cy="1460066"/>
+          </a:xfrm>
+        </p:spPr>
         <p:txBody>
           <a:bodyPr/>
           <a:lstStyle/>
@@ -7435,7 +7429,7 @@
         </p:blipFill>
         <p:spPr>
           <a:xfrm>
-            <a:off x="6486989" y="3947826"/>
+            <a:off x="4129557" y="4024326"/>
             <a:ext cx="4388528" cy="2468547"/>
           </a:xfrm>
           <a:prstGeom prst="rect">
@@ -7471,7 +7465,7 @@
         </p:blipFill>
         <p:spPr>
           <a:xfrm>
-            <a:off x="2164303" y="4024327"/>
+            <a:off x="677334" y="4024326"/>
             <a:ext cx="2996583" cy="2315546"/>
           </a:xfrm>
           <a:prstGeom prst="rect">
@@ -7540,7 +7534,7 @@
             <a:pPr algn="ctr"/>
             <a:r>
               <a:rPr lang="en-US" b="1" dirty="0"/>
-              <a:t>How we overcome EMF ? </a:t>
+              <a:t>How have we overcome EMF ? </a:t>
             </a:r>
           </a:p>
         </p:txBody>
@@ -7561,7 +7555,12 @@
             <p:ph idx="1"/>
           </p:nvPr>
         </p:nvSpPr>
-        <p:spPr/>
+        <p:spPr>
+          <a:xfrm>
+            <a:off x="729877" y="1338552"/>
+            <a:ext cx="8596668" cy="1268411"/>
+          </a:xfrm>
+        </p:spPr>
         <p:txBody>
           <a:bodyPr/>
           <a:lstStyle/>
@@ -7574,11 +7573,8 @@
                 <a:effectLst/>
                 <a:latin typeface="Arial" panose="020B0604020202020204" pitchFamily="34" charset="0"/>
               </a:rPr>
-              <a:t>Thermal Electromotive Force (EMF) is generated when the dissimilar metals that make up terminals, contact springs, and contacts touch. This electromotive force, measured in micro volts, could be very small or large, and can create undesirable noise during electrical measurements.</a:t>
-            </a:r>
-          </a:p>
-          <a:p>
-            <a:endParaRPr lang="en-US" dirty="0"/>
+              <a:t>Thermal Electromotive Force (EMF) is generated when the dissimilar metals that make up terminals, contact springs, and contact's touch. This electromotive force, measured in micro volts, could be very small or large, and can create undesirable noise during electrical measurements.</a:t>
+            </a:r>
           </a:p>
         </p:txBody>
       </p:sp>
@@ -7598,6 +7594,13 @@
         </p:nvPicPr>
         <p:blipFill>
           <a:blip r:embed="rId2">
+            <a:duotone>
+              <a:prstClr val="black"/>
+              <a:schemeClr val="accent6">
+                <a:tint val="45000"/>
+                <a:satMod val="400000"/>
+              </a:schemeClr>
+            </a:duotone>
             <a:extLst>
               <a:ext uri="{28A0092B-C50C-407E-A947-70E740481C1C}">
                 <a14:useLocalDpi xmlns:a14="http://schemas.microsoft.com/office/drawing/2010/main" val="0"/>
@@ -7610,8 +7613,8 @@
         </p:blipFill>
         <p:spPr>
           <a:xfrm>
-            <a:off x="7536323" y="3757343"/>
-            <a:ext cx="4350877" cy="2778025"/>
+            <a:off x="2280832" y="2802000"/>
+            <a:ext cx="5080550" cy="3243920"/>
           </a:xfrm>
           <a:prstGeom prst="rect">
             <a:avLst/>
@@ -7707,7 +7710,7 @@
           <a:p>
             <a:r>
               <a:rPr lang="en-US" dirty="0"/>
-              <a:t>Atmel Studio : this is the best ide to write the code into AVR microcontroller type. </a:t>
+              <a:t>Atmel Studio : this is the best ide to write the code into AVR microcontroller type.</a:t>
             </a:r>
           </a:p>
         </p:txBody>
@@ -7740,8 +7743,8 @@
         </p:blipFill>
         <p:spPr>
           <a:xfrm>
-            <a:off x="5859260" y="2485449"/>
-            <a:ext cx="6099307" cy="4234316"/>
+            <a:off x="1822970" y="2835564"/>
+            <a:ext cx="5917104" cy="3541382"/>
           </a:xfrm>
           <a:prstGeom prst="rect">
             <a:avLst/>
@@ -7846,15 +7849,7 @@
           <a:p>
             <a:r>
               <a:rPr lang="en-US" dirty="0"/>
-              <a:t>Using </a:t>
-            </a:r>
-            <a:r>
-              <a:rPr lang="en-US" dirty="0" err="1"/>
-              <a:t>matlap</a:t>
-            </a:r>
-            <a:r>
-              <a:rPr lang="en-US" dirty="0"/>
-              <a:t> </a:t>
+              <a:t>Using MATLAB </a:t>
             </a:r>
             <a:r>
               <a:rPr lang="en-US" dirty="0" err="1"/>
@@ -8008,7 +8003,7 @@
             </a:pPr>
             <a:r>
               <a:rPr lang="en-US" dirty="0"/>
-              <a:t>The code into the microcontroller </a:t>
+              <a:t>	The code into the microcontroller </a:t>
             </a:r>
           </a:p>
           <a:p>
@@ -8017,7 +8012,7 @@
             </a:pPr>
             <a:r>
               <a:rPr lang="en-US" dirty="0"/>
-              <a:t>Via programmer board called </a:t>
+              <a:t>	Via programmer board called </a:t>
             </a:r>
           </a:p>
           <a:p>
@@ -8026,7 +8021,7 @@
             </a:pPr>
             <a:r>
               <a:rPr lang="en-US" dirty="0"/>
-              <a:t>Arduino as ISP</a:t>
+              <a:t>	Arduino as ISP</a:t>
             </a:r>
           </a:p>
         </p:txBody>
@@ -8058,7 +8053,7 @@
         </p:blipFill>
         <p:spPr>
           <a:xfrm>
-            <a:off x="7165661" y="2414801"/>
+            <a:off x="6399043" y="2374452"/>
             <a:ext cx="4863581" cy="3897099"/>
           </a:xfrm>
           <a:prstGeom prst="rect">
@@ -8152,7 +8147,12 @@
             <p:ph idx="1"/>
           </p:nvPr>
         </p:nvSpPr>
-        <p:spPr/>
+        <p:spPr>
+          <a:xfrm>
+            <a:off x="677334" y="2169825"/>
+            <a:ext cx="5196993" cy="3880773"/>
+          </a:xfrm>
+        </p:spPr>
         <p:txBody>
           <a:bodyPr/>
           <a:lstStyle/>
@@ -8168,7 +8168,7 @@
             </a:pPr>
             <a:r>
               <a:rPr lang="en-US" dirty="0"/>
-              <a:t>great program to make the </a:t>
+              <a:t>	great program to make the </a:t>
             </a:r>
           </a:p>
           <a:p>
@@ -8177,7 +8177,7 @@
             </a:pPr>
             <a:r>
               <a:rPr lang="en-US" dirty="0"/>
-              <a:t>schematic design and PCB files </a:t>
+              <a:t>	schematic design and PCB files </a:t>
             </a:r>
           </a:p>
           <a:p>
@@ -8186,7 +8186,7 @@
             </a:pPr>
             <a:r>
               <a:rPr lang="en-US" dirty="0"/>
-              <a:t>Which we could send it to </a:t>
+              <a:t>	Which we could send it to </a:t>
             </a:r>
           </a:p>
           <a:p>
@@ -8195,16 +8195,7 @@
             </a:pPr>
             <a:r>
               <a:rPr lang="en-US" dirty="0"/>
-              <a:t>The manufacture to make a real </a:t>
-            </a:r>
-          </a:p>
-          <a:p>
-            <a:pPr marL="0" indent="0">
-              <a:buNone/>
-            </a:pPr>
-            <a:r>
-              <a:rPr lang="en-US" dirty="0"/>
-              <a:t>Board.</a:t>
+              <a:t>	The manufacture to make a real Board.</a:t>
             </a:r>
           </a:p>
           <a:p>
@@ -8231,6 +8222,13 @@
         </p:nvPicPr>
         <p:blipFill>
           <a:blip r:embed="rId2">
+            <a:duotone>
+              <a:prstClr val="black"/>
+              <a:srgbClr val="D9C3A5">
+                <a:tint val="50000"/>
+                <a:satMod val="180000"/>
+              </a:srgbClr>
+            </a:duotone>
             <a:extLst>
               <a:ext uri="{28A0092B-C50C-407E-A947-70E740481C1C}">
                 <a14:useLocalDpi xmlns:a14="http://schemas.microsoft.com/office/drawing/2010/main" val="0"/>
@@ -8243,8 +8241,8 @@
         </p:blipFill>
         <p:spPr>
           <a:xfrm>
-            <a:off x="7075503" y="1569459"/>
-            <a:ext cx="4278297" cy="4278297"/>
+            <a:off x="6483928" y="1930400"/>
+            <a:ext cx="4158672" cy="4158672"/>
           </a:xfrm>
           <a:prstGeom prst="rect">
             <a:avLst/>
@@ -8345,7 +8343,7 @@
           <a:p>
             <a:r>
               <a:rPr lang="en-US" dirty="0"/>
-              <a:t>This project is an embedded system portable device that automate the process of charging/discharging laptop charger for the sake of increasing life time of the battery.</a:t>
+              <a:t>This project is an embedded system portable device that automate the process of charging/discharging laptop charger for the sake of increasing lifetime of the battery.</a:t>
             </a:r>
           </a:p>
           <a:p>
@@ -8383,8 +8381,8 @@
         </p:blipFill>
         <p:spPr>
           <a:xfrm rot="16200000">
-            <a:off x="7837218" y="2193809"/>
-            <a:ext cx="2294139" cy="5776575"/>
+            <a:off x="3824190" y="1542134"/>
+            <a:ext cx="2622455" cy="5985164"/>
           </a:xfrm>
           <a:prstGeom prst="rect">
             <a:avLst/>
@@ -8470,14 +8468,19 @@
             <p:ph idx="1"/>
           </p:nvPr>
         </p:nvSpPr>
-        <p:spPr/>
+        <p:spPr>
+          <a:xfrm>
+            <a:off x="677334" y="2160590"/>
+            <a:ext cx="8596668" cy="1053666"/>
+          </a:xfrm>
+        </p:spPr>
         <p:txBody>
           <a:bodyPr/>
           <a:lstStyle/>
           <a:p>
             <a:r>
               <a:rPr lang="en-US" dirty="0"/>
-              <a:t>We couldn’t express our feeling towards Dr\Hamza with words so we promise if this product became real, you are the first one who will use this product to make your laptop battery life longer and support more and more students.  </a:t>
+              <a:t>We couldn’t express our feeling towards Dr\Hamza with words so we promise if this product became real, you are the first one who will use this product to make your laptop battery life longer and support more and more students. </a:t>
             </a:r>
           </a:p>
         </p:txBody>
@@ -8590,12 +8593,12 @@
               <a:t>First : a background application that written in </a:t>
             </a:r>
             <a:r>
-              <a:rPr lang="en-US" sz="1800" dirty="0" err="1"/>
-              <a:t>c#</a:t>
+              <a:rPr lang="en-US" dirty="0"/>
+              <a:t>C</a:t>
             </a:r>
             <a:r>
               <a:rPr lang="en-US" sz="1800" dirty="0"/>
-              <a:t> has the following functions : </a:t>
+              <a:t># has the following functions : </a:t>
             </a:r>
           </a:p>
           <a:p>
@@ -8604,7 +8607,7 @@
             </a:pPr>
             <a:r>
               <a:rPr lang="en-US" sz="1800" dirty="0"/>
-              <a:t>1- connect the embedded Bluetooth module in the laptop with our device.</a:t>
+              <a:t>1- Connect the embedded Bluetooth module in the laptop with our device.</a:t>
             </a:r>
           </a:p>
           <a:p>
@@ -8622,7 +8625,7 @@
             </a:pPr>
             <a:r>
               <a:rPr lang="en-US" sz="1800" dirty="0"/>
-              <a:t>within an interval according to the user desire </a:t>
+              <a:t>within an interval according to the user desire. </a:t>
             </a:r>
           </a:p>
           <a:p>
@@ -8649,7 +8652,7 @@
             </a:pPr>
             <a:r>
               <a:rPr lang="en-US" sz="1800" dirty="0"/>
-              <a:t>which the user could determine. </a:t>
+              <a:t>which the user could determine.</a:t>
             </a:r>
           </a:p>
         </p:txBody>
@@ -8682,8 +8685,8 @@
         </p:blipFill>
         <p:spPr>
           <a:xfrm>
-            <a:off x="4477304" y="2844980"/>
-            <a:ext cx="7714696" cy="3924243"/>
+            <a:off x="3833092" y="2844980"/>
+            <a:ext cx="8174182" cy="3924243"/>
           </a:xfrm>
           <a:prstGeom prst="rect">
             <a:avLst/>
@@ -8783,8 +8786,8 @@
         </p:blipFill>
         <p:spPr>
           <a:xfrm>
-            <a:off x="2609704" y="2160588"/>
-            <a:ext cx="4732629" cy="3881437"/>
+            <a:off x="6253152" y="1627186"/>
+            <a:ext cx="5489796" cy="4865687"/>
           </a:xfrm>
         </p:spPr>
       </p:pic>
@@ -8816,7 +8819,7 @@
         </p:blipFill>
         <p:spPr>
           <a:xfrm>
-            <a:off x="471189" y="1627188"/>
+            <a:off x="606204" y="1627186"/>
             <a:ext cx="5489796" cy="4865687"/>
           </a:xfrm>
           <a:prstGeom prst="rect">
@@ -8918,7 +8921,7 @@
           <a:p>
             <a:r>
               <a:rPr lang="en-US" dirty="0"/>
-              <a:t>Because we use OOP and functional programming paradigms the best diagram to describe this code is the code map it’s looks like a tree.</a:t>
+              <a:t>Because we use OOP and Functional programming paradigms the best diagram to describe this code is the code map it’s looks like a tree.</a:t>
             </a:r>
           </a:p>
         </p:txBody>
@@ -8951,7 +8954,7 @@
         </p:blipFill>
         <p:spPr>
           <a:xfrm>
-            <a:off x="1558031" y="1767621"/>
+            <a:off x="1558031" y="1499766"/>
             <a:ext cx="9075938" cy="5005947"/>
           </a:xfrm>
           <a:prstGeom prst="rect">
@@ -9007,7 +9010,7 @@
         </p:nvSpPr>
         <p:spPr>
           <a:xfrm>
-            <a:off x="838200" y="0"/>
+            <a:off x="838200" y="146256"/>
             <a:ext cx="10515600" cy="541538"/>
           </a:xfrm>
         </p:spPr>
@@ -9063,7 +9066,7 @@
         </p:blipFill>
         <p:spPr>
           <a:xfrm>
-            <a:off x="0" y="3847776"/>
+            <a:off x="277091" y="3849528"/>
             <a:ext cx="5189340" cy="2591447"/>
           </a:xfrm>
         </p:spPr>
@@ -9096,7 +9099,7 @@
         </p:blipFill>
         <p:spPr>
           <a:xfrm>
-            <a:off x="0" y="977342"/>
+            <a:off x="277091" y="979093"/>
             <a:ext cx="5189340" cy="2732692"/>
           </a:xfrm>
           <a:prstGeom prst="rect">
@@ -9132,7 +9135,7 @@
         </p:blipFill>
         <p:spPr>
           <a:xfrm>
-            <a:off x="5212228" y="977341"/>
+            <a:off x="5590919" y="979093"/>
             <a:ext cx="6461908" cy="5461882"/>
           </a:xfrm>
           <a:prstGeom prst="rect">
@@ -9598,7 +9601,7 @@
             </a:pPr>
             <a:r>
               <a:rPr lang="en-US" dirty="0"/>
-              <a:t>write and debug native and cross </a:t>
+              <a:t>	write and debug native and cross </a:t>
             </a:r>
           </a:p>
           <a:p>
@@ -9607,35 +9610,31 @@
             </a:pPr>
             <a:r>
               <a:rPr lang="en-US" dirty="0"/>
-              <a:t>platform </a:t>
-            </a:r>
-            <a:r>
-              <a:rPr lang="en-US" dirty="0" err="1"/>
-              <a:t>c#</a:t>
-            </a:r>
+              <a:t>	platform C# application.</a:t>
+            </a:r>
+          </a:p>
+          <a:p>
+            <a:pPr marL="0" indent="0">
+              <a:buNone/>
+            </a:pPr>
+            <a:endParaRPr lang="en-US" dirty="0"/>
+          </a:p>
+          <a:p>
             <a:r>
               <a:rPr lang="en-US" dirty="0"/>
-              <a:t> application.</a:t>
-            </a:r>
+              <a:t>C# 9.0 : The latest version of C# language.</a:t>
+            </a:r>
+          </a:p>
+          <a:p>
+            <a:pPr marL="0" indent="0">
+              <a:buNone/>
+            </a:pPr>
+            <a:endParaRPr lang="en-US" dirty="0"/>
           </a:p>
           <a:p>
             <a:r>
               <a:rPr lang="en-US" dirty="0"/>
-              <a:t>C# 9.0 : The latest version of </a:t>
-            </a:r>
-            <a:r>
-              <a:rPr lang="en-US" dirty="0" err="1"/>
-              <a:t>c#</a:t>
-            </a:r>
-            <a:r>
-              <a:rPr lang="en-US" dirty="0"/>
-              <a:t> language.</a:t>
-            </a:r>
-          </a:p>
-          <a:p>
-            <a:r>
-              <a:rPr lang="en-US" dirty="0"/>
-              <a:t>Dot net framework 5.0  </a:t>
+              <a:t>Dot net framework 5.0</a:t>
             </a:r>
           </a:p>
         </p:txBody>

--- a/Theoretical/Smart Battery Monitor.pptx
+++ b/Theoretical/Smart Battery Monitor.pptx
@@ -853,7 +853,7 @@
           <a:p>
             <a:fld id="{0D294187-4905-487C-A463-D12AFC71BF3C}" type="datetimeFigureOut">
               <a:rPr lang="en-US" smtClean="0"/>
-              <a:t>7/21/2021</a:t>
+              <a:t>7/23/2021</a:t>
             </a:fld>
             <a:endParaRPr lang="en-US"/>
           </a:p>
@@ -1104,7 +1104,7 @@
           <a:p>
             <a:fld id="{0D294187-4905-487C-A463-D12AFC71BF3C}" type="datetimeFigureOut">
               <a:rPr lang="en-US" smtClean="0"/>
-              <a:t>7/21/2021</a:t>
+              <a:t>7/23/2021</a:t>
             </a:fld>
             <a:endParaRPr lang="en-US"/>
           </a:p>
@@ -1418,7 +1418,7 @@
           <a:p>
             <a:fld id="{0D294187-4905-487C-A463-D12AFC71BF3C}" type="datetimeFigureOut">
               <a:rPr lang="en-US" smtClean="0"/>
-              <a:t>7/21/2021</a:t>
+              <a:t>7/23/2021</a:t>
             </a:fld>
             <a:endParaRPr lang="en-US"/>
           </a:p>
@@ -1759,7 +1759,7 @@
           <a:p>
             <a:fld id="{0D294187-4905-487C-A463-D12AFC71BF3C}" type="datetimeFigureOut">
               <a:rPr lang="en-US" smtClean="0"/>
-              <a:t>7/21/2021</a:t>
+              <a:t>7/23/2021</a:t>
             </a:fld>
             <a:endParaRPr lang="en-US"/>
           </a:p>
@@ -2073,7 +2073,7 @@
           <a:p>
             <a:fld id="{0D294187-4905-487C-A463-D12AFC71BF3C}" type="datetimeFigureOut">
               <a:rPr lang="en-US" smtClean="0"/>
-              <a:t>7/21/2021</a:t>
+              <a:t>7/23/2021</a:t>
             </a:fld>
             <a:endParaRPr lang="en-US"/>
           </a:p>
@@ -2466,7 +2466,7 @@
           <a:p>
             <a:fld id="{0D294187-4905-487C-A463-D12AFC71BF3C}" type="datetimeFigureOut">
               <a:rPr lang="en-US" smtClean="0"/>
-              <a:t>7/21/2021</a:t>
+              <a:t>7/23/2021</a:t>
             </a:fld>
             <a:endParaRPr lang="en-US"/>
           </a:p>
@@ -2636,7 +2636,7 @@
           <a:p>
             <a:fld id="{0D294187-4905-487C-A463-D12AFC71BF3C}" type="datetimeFigureOut">
               <a:rPr lang="en-US" smtClean="0"/>
-              <a:t>7/21/2021</a:t>
+              <a:t>7/23/2021</a:t>
             </a:fld>
             <a:endParaRPr lang="en-US"/>
           </a:p>
@@ -2816,7 +2816,7 @@
           <a:p>
             <a:fld id="{0D294187-4905-487C-A463-D12AFC71BF3C}" type="datetimeFigureOut">
               <a:rPr lang="en-US" smtClean="0"/>
-              <a:t>7/21/2021</a:t>
+              <a:t>7/23/2021</a:t>
             </a:fld>
             <a:endParaRPr lang="en-US"/>
           </a:p>
@@ -2992,7 +2992,7 @@
           <a:p>
             <a:fld id="{0D294187-4905-487C-A463-D12AFC71BF3C}" type="datetimeFigureOut">
               <a:rPr lang="en-US" smtClean="0"/>
-              <a:t>7/21/2021</a:t>
+              <a:t>7/23/2021</a:t>
             </a:fld>
             <a:endParaRPr lang="en-US"/>
           </a:p>
@@ -3239,7 +3239,7 @@
           <a:p>
             <a:fld id="{0D294187-4905-487C-A463-D12AFC71BF3C}" type="datetimeFigureOut">
               <a:rPr lang="en-US" smtClean="0"/>
-              <a:t>7/21/2021</a:t>
+              <a:t>7/23/2021</a:t>
             </a:fld>
             <a:endParaRPr lang="en-US"/>
           </a:p>
@@ -3471,7 +3471,7 @@
           <a:p>
             <a:fld id="{0D294187-4905-487C-A463-D12AFC71BF3C}" type="datetimeFigureOut">
               <a:rPr lang="en-US" smtClean="0"/>
-              <a:t>7/21/2021</a:t>
+              <a:t>7/23/2021</a:t>
             </a:fld>
             <a:endParaRPr lang="en-US"/>
           </a:p>
@@ -3845,7 +3845,7 @@
           <a:p>
             <a:fld id="{0D294187-4905-487C-A463-D12AFC71BF3C}" type="datetimeFigureOut">
               <a:rPr lang="en-US" smtClean="0"/>
-              <a:t>7/21/2021</a:t>
+              <a:t>7/23/2021</a:t>
             </a:fld>
             <a:endParaRPr lang="en-US"/>
           </a:p>
@@ -3968,7 +3968,7 @@
           <a:p>
             <a:fld id="{0D294187-4905-487C-A463-D12AFC71BF3C}" type="datetimeFigureOut">
               <a:rPr lang="en-US" smtClean="0"/>
-              <a:t>7/21/2021</a:t>
+              <a:t>7/23/2021</a:t>
             </a:fld>
             <a:endParaRPr lang="en-US"/>
           </a:p>
@@ -4063,7 +4063,7 @@
           <a:p>
             <a:fld id="{0D294187-4905-487C-A463-D12AFC71BF3C}" type="datetimeFigureOut">
               <a:rPr lang="en-US" smtClean="0"/>
-              <a:t>7/21/2021</a:t>
+              <a:t>7/23/2021</a:t>
             </a:fld>
             <a:endParaRPr lang="en-US"/>
           </a:p>
@@ -4318,7 +4318,7 @@
           <a:p>
             <a:fld id="{0D294187-4905-487C-A463-D12AFC71BF3C}" type="datetimeFigureOut">
               <a:rPr lang="en-US" smtClean="0"/>
-              <a:t>7/21/2021</a:t>
+              <a:t>7/23/2021</a:t>
             </a:fld>
             <a:endParaRPr lang="en-US"/>
           </a:p>
@@ -4581,7 +4581,7 @@
           <a:p>
             <a:fld id="{0D294187-4905-487C-A463-D12AFC71BF3C}" type="datetimeFigureOut">
               <a:rPr lang="en-US" smtClean="0"/>
-              <a:t>7/21/2021</a:t>
+              <a:t>7/23/2021</a:t>
             </a:fld>
             <a:endParaRPr lang="en-US"/>
           </a:p>
@@ -5324,7 +5324,7 @@
           <a:p>
             <a:fld id="{0D294187-4905-487C-A463-D12AFC71BF3C}" type="datetimeFigureOut">
               <a:rPr lang="en-US" smtClean="0"/>
-              <a:t>7/21/2021</a:t>
+              <a:t>7/23/2021</a:t>
             </a:fld>
             <a:endParaRPr lang="en-US"/>
           </a:p>
@@ -6630,22 +6630,28 @@
           </p:cNvPicPr>
           <p:nvPr/>
         </p:nvPicPr>
-        <p:blipFill>
+        <p:blipFill rotWithShape="1">
           <a:blip r:embed="rId4">
+            <a:duotone>
+              <a:prstClr val="black"/>
+              <a:srgbClr val="D9C3A5">
+                <a:tint val="50000"/>
+                <a:satMod val="180000"/>
+              </a:srgbClr>
+            </a:duotone>
             <a:extLst>
               <a:ext uri="{28A0092B-C50C-407E-A947-70E740481C1C}">
                 <a14:useLocalDpi xmlns:a14="http://schemas.microsoft.com/office/drawing/2010/main" val="0"/>
               </a:ext>
             </a:extLst>
           </a:blip>
-          <a:stretch>
-            <a:fillRect/>
-          </a:stretch>
+          <a:srcRect r="17265"/>
+          <a:stretch/>
         </p:blipFill>
         <p:spPr>
           <a:xfrm>
-            <a:off x="7548017" y="641264"/>
-            <a:ext cx="4542186" cy="2130641"/>
+            <a:off x="8343900" y="729412"/>
+            <a:ext cx="3581770" cy="2130641"/>
           </a:xfrm>
           <a:prstGeom prst="rect">
             <a:avLst/>
@@ -6674,13 +6680,13 @@
               </a:ext>
             </a:extLst>
           </a:blip>
-          <a:srcRect l="22787" t="37753" r="50000" b="10386"/>
+          <a:srcRect l="25086" t="39639" r="30440" b="12066"/>
           <a:stretch/>
         </p:blipFill>
         <p:spPr>
           <a:xfrm rot="16200000">
-            <a:off x="4606471" y="619313"/>
-            <a:ext cx="1257005" cy="3165102"/>
+            <a:off x="5694775" y="321013"/>
+            <a:ext cx="2130642" cy="2947441"/>
           </a:xfrm>
           <a:prstGeom prst="rect">
             <a:avLst/>
@@ -8356,10 +8362,10 @@
       </p:sp>
       <p:pic>
         <p:nvPicPr>
-          <p:cNvPr id="5" name="Picture 4">
+          <p:cNvPr id="6" name="Picture 5" descr="A picture containing text&#10;&#10;Description automatically generated">
             <a:extLst>
               <a:ext uri="{FF2B5EF4-FFF2-40B4-BE49-F238E27FC236}">
-                <a16:creationId xmlns:a16="http://schemas.microsoft.com/office/drawing/2014/main" id="{FA7FD4F9-FAAF-4D21-B808-DD2D4404139F}"/>
+                <a16:creationId xmlns:a16="http://schemas.microsoft.com/office/drawing/2014/main" id="{02F6D0EF-B1DA-4EDB-8ABE-4C0E5CDDF041}"/>
               </a:ext>
             </a:extLst>
           </p:cNvPr>
@@ -8376,13 +8382,84 @@
               </a:ext>
             </a:extLst>
           </a:blip>
-          <a:srcRect l="22787" t="37753" r="50000" b="10386"/>
+          <a:srcRect l="20818"/>
           <a:stretch/>
         </p:blipFill>
         <p:spPr>
-          <a:xfrm rot="16200000">
-            <a:off x="3824190" y="1542134"/>
-            <a:ext cx="2622455" cy="5985164"/>
+          <a:xfrm>
+            <a:off x="1370126" y="3560905"/>
+            <a:ext cx="1501996" cy="1615022"/>
+          </a:xfrm>
+          <a:prstGeom prst="rect">
+            <a:avLst/>
+          </a:prstGeom>
+        </p:spPr>
+      </p:pic>
+      <p:pic>
+        <p:nvPicPr>
+          <p:cNvPr id="8" name="Picture 7" descr="A picture containing dirty&#10;&#10;Description automatically generated">
+            <a:extLst>
+              <a:ext uri="{FF2B5EF4-FFF2-40B4-BE49-F238E27FC236}">
+                <a16:creationId xmlns:a16="http://schemas.microsoft.com/office/drawing/2014/main" id="{8F6F1DAD-7D74-435A-9A8B-276E20E5C9F1}"/>
+              </a:ext>
+            </a:extLst>
+          </p:cNvPr>
+          <p:cNvPicPr>
+            <a:picLocks noChangeAspect="1"/>
+          </p:cNvPicPr>
+          <p:nvPr/>
+        </p:nvPicPr>
+        <p:blipFill rotWithShape="1">
+          <a:blip r:embed="rId3">
+            <a:extLst>
+              <a:ext uri="{28A0092B-C50C-407E-A947-70E740481C1C}">
+                <a14:useLocalDpi xmlns:a14="http://schemas.microsoft.com/office/drawing/2010/main" val="0"/>
+              </a:ext>
+            </a:extLst>
+          </a:blip>
+          <a:srcRect l="43512" r="11422"/>
+          <a:stretch/>
+        </p:blipFill>
+        <p:spPr>
+          <a:xfrm>
+            <a:off x="7535749" y="3533532"/>
+            <a:ext cx="1504950" cy="1615022"/>
+          </a:xfrm>
+          <a:prstGeom prst="rect">
+            <a:avLst/>
+          </a:prstGeom>
+        </p:spPr>
+      </p:pic>
+      <p:pic>
+        <p:nvPicPr>
+          <p:cNvPr id="12" name="Picture 11" descr="A picture containing text&#10;&#10;Description automatically generated">
+            <a:extLst>
+              <a:ext uri="{FF2B5EF4-FFF2-40B4-BE49-F238E27FC236}">
+                <a16:creationId xmlns:a16="http://schemas.microsoft.com/office/drawing/2014/main" id="{4163CDFB-2351-41A1-8DE3-3CC34ACD4E77}"/>
+              </a:ext>
+            </a:extLst>
+          </p:cNvPr>
+          <p:cNvPicPr>
+            <a:picLocks noChangeAspect="1"/>
+          </p:cNvPicPr>
+          <p:nvPr/>
+        </p:nvPicPr>
+        <p:blipFill>
+          <a:blip r:embed="rId4">
+            <a:extLst>
+              <a:ext uri="{28A0092B-C50C-407E-A947-70E740481C1C}">
+                <a14:useLocalDpi xmlns:a14="http://schemas.microsoft.com/office/drawing/2010/main" val="0"/>
+              </a:ext>
+            </a:extLst>
+          </a:blip>
+          <a:stretch>
+            <a:fillRect/>
+          </a:stretch>
+        </p:blipFill>
+        <p:spPr>
+          <a:xfrm rot="5400000">
+            <a:off x="3675797" y="2949191"/>
+            <a:ext cx="3056276" cy="2838450"/>
           </a:xfrm>
           <a:prstGeom prst="rect">
             <a:avLst/>
@@ -8758,19 +8835,17 @@
       </p:sp>
       <p:pic>
         <p:nvPicPr>
-          <p:cNvPr id="5" name="Content Placeholder 4">
+          <p:cNvPr id="12" name="Picture 11" descr="Graphical user interface, application, table&#10;&#10;Description automatically generated">
             <a:extLst>
               <a:ext uri="{FF2B5EF4-FFF2-40B4-BE49-F238E27FC236}">
-                <a16:creationId xmlns:a16="http://schemas.microsoft.com/office/drawing/2014/main" id="{FF0C096D-816A-4537-89B0-7E15CB43A9FB}"/>
+                <a16:creationId xmlns:a16="http://schemas.microsoft.com/office/drawing/2014/main" id="{8E0D9163-0E47-4DB9-95E1-B6C86721930B}"/>
               </a:ext>
             </a:extLst>
           </p:cNvPr>
           <p:cNvPicPr>
-            <a:picLocks noGrp="1" noChangeAspect="1"/>
+            <a:picLocks noChangeAspect="1"/>
           </p:cNvPicPr>
-          <p:nvPr>
-            <p:ph idx="1"/>
-          </p:nvPr>
+          <p:nvPr/>
         </p:nvPicPr>
         <p:blipFill>
           <a:blip r:embed="rId2">
@@ -8786,17 +8861,20 @@
         </p:blipFill>
         <p:spPr>
           <a:xfrm>
-            <a:off x="6253152" y="1627186"/>
-            <a:ext cx="5489796" cy="4865687"/>
-          </a:xfrm>
+            <a:off x="6429375" y="1136342"/>
+            <a:ext cx="5591175" cy="5330984"/>
+          </a:xfrm>
+          <a:prstGeom prst="rect">
+            <a:avLst/>
+          </a:prstGeom>
         </p:spPr>
       </p:pic>
       <p:pic>
         <p:nvPicPr>
-          <p:cNvPr id="7" name="Picture 6">
+          <p:cNvPr id="14" name="Picture 13" descr="Graphical user interface, table&#10;&#10;Description automatically generated">
             <a:extLst>
               <a:ext uri="{FF2B5EF4-FFF2-40B4-BE49-F238E27FC236}">
-                <a16:creationId xmlns:a16="http://schemas.microsoft.com/office/drawing/2014/main" id="{CAA42898-A453-4565-BD60-B4947DE520A4}"/>
+                <a16:creationId xmlns:a16="http://schemas.microsoft.com/office/drawing/2014/main" id="{45E5EA2A-A1DF-479F-9780-37B93B6930C5}"/>
               </a:ext>
             </a:extLst>
           </p:cNvPr>
@@ -8819,8 +8897,8 @@
         </p:blipFill>
         <p:spPr>
           <a:xfrm>
-            <a:off x="606204" y="1627186"/>
-            <a:ext cx="5489796" cy="4865687"/>
+            <a:off x="438150" y="1136342"/>
+            <a:ext cx="5591175" cy="5330984"/>
           </a:xfrm>
           <a:prstGeom prst="rect">
             <a:avLst/>
